--- a/touhou/omoshiroApp_setumei_2022531033.pptx
+++ b/touhou/omoshiroApp_setumei_2022531033.pptx
@@ -201,7 +201,7 @@
           <a:p>
             <a:fld id="{7D5486F5-8F78-4402-A9FD-028180E74BB7}" type="datetimeFigureOut">
               <a:rPr kumimoji="1" lang="ja-JP" altLang="en-US" smtClean="0"/>
-              <a:t>2024/1/21</a:t>
+              <a:t>2024/1/22</a:t>
             </a:fld>
             <a:endParaRPr kumimoji="1" lang="ja-JP" altLang="en-US"/>
           </a:p>
@@ -5193,7 +5193,7 @@
         <p:spPr>
           <a:xfrm>
             <a:off x="6507991" y="2151491"/>
-            <a:ext cx="2494601" cy="1938992"/>
+            <a:ext cx="2494601" cy="2123658"/>
           </a:xfrm>
           <a:prstGeom prst="rect">
             <a:avLst/>
@@ -5311,6 +5311,53 @@
                 <a:ea typeface="UD Digi Kyokasho NP-R" panose="02020400000000000000" pitchFamily="18" charset="-128"/>
               </a:rPr>
               <a:t>氏は凄い人だと改めて思わされた。</a:t>
+            </a:r>
+            <a:endParaRPr lang="en-US" altLang="ja-JP" sz="1200" b="1">
+              <a:solidFill>
+                <a:schemeClr val="accent6">
+                  <a:lumMod val="75000"/>
+                </a:schemeClr>
+              </a:solidFill>
+              <a:latin typeface="UD Digi Kyokasho NP-R" panose="02020400000000000000" pitchFamily="18" charset="-128"/>
+              <a:ea typeface="UD Digi Kyokasho NP-R" panose="02020400000000000000" pitchFamily="18" charset="-128"/>
+            </a:endParaRPr>
+          </a:p>
+          <a:p>
+            <a:r>
+              <a:rPr lang="ja-JP" altLang="en-US" sz="1200" b="1">
+                <a:solidFill>
+                  <a:schemeClr val="accent6">
+                    <a:lumMod val="75000"/>
+                  </a:schemeClr>
+                </a:solidFill>
+                <a:latin typeface="UD Digi Kyokasho NP-R" panose="02020400000000000000" pitchFamily="18" charset="-128"/>
+                <a:ea typeface="UD Digi Kyokasho NP-R" panose="02020400000000000000" pitchFamily="18" charset="-128"/>
+              </a:rPr>
+              <a:t>製作時間は</a:t>
+            </a:r>
+            <a:r>
+              <a:rPr lang="en-US" altLang="ja-JP" sz="1200" b="1">
+                <a:solidFill>
+                  <a:schemeClr val="accent6">
+                    <a:lumMod val="75000"/>
+                  </a:schemeClr>
+                </a:solidFill>
+                <a:latin typeface="UD Digi Kyokasho NP-R" panose="02020400000000000000" pitchFamily="18" charset="-128"/>
+                <a:ea typeface="UD Digi Kyokasho NP-R" panose="02020400000000000000" pitchFamily="18" charset="-128"/>
+              </a:rPr>
+              <a:t>20</a:t>
+            </a:r>
+            <a:r>
+              <a:rPr lang="ja-JP" altLang="en-US" sz="1200" b="1">
+                <a:solidFill>
+                  <a:schemeClr val="accent6">
+                    <a:lumMod val="75000"/>
+                  </a:schemeClr>
+                </a:solidFill>
+                <a:latin typeface="UD Digi Kyokasho NP-R" panose="02020400000000000000" pitchFamily="18" charset="-128"/>
+                <a:ea typeface="UD Digi Kyokasho NP-R" panose="02020400000000000000" pitchFamily="18" charset="-128"/>
+              </a:rPr>
+              <a:t>時間である。</a:t>
             </a:r>
             <a:endParaRPr lang="en-US" altLang="ja-JP" sz="1200" b="1">
               <a:solidFill>
